--- a/presentation.pptx
+++ b/presentation.pptx
@@ -8,8 +8,8 @@
     <p:sldId id="256" r:id="rId2"/>
     <p:sldId id="258" r:id="rId3"/>
     <p:sldId id="260" r:id="rId4"/>
-    <p:sldId id="259" r:id="rId5"/>
-    <p:sldId id="257" r:id="rId6"/>
+    <p:sldId id="257" r:id="rId5"/>
+    <p:sldId id="261" r:id="rId6"/>
   </p:sldIdLst>
   <p:sldSz cx="12192000" cy="6858000"/>
   <p:notesSz cx="6858000" cy="9144000"/>
@@ -3425,40 +3425,12 @@
           <a:chExt cx="0" cy="0"/>
         </a:xfrm>
       </p:grpSpPr>
-      <p:sp>
-        <p:nvSpPr>
-          <p:cNvPr id="2" name="Заголовок 1">
-            <a:extLst>
-              <a:ext uri="{FF2B5EF4-FFF2-40B4-BE49-F238E27FC236}">
-                <a16:creationId xmlns:a16="http://schemas.microsoft.com/office/drawing/2014/main" id="{BC550FB8-29EA-466A-83E2-435C4E25EBA4}"/>
-              </a:ext>
-            </a:extLst>
-          </p:cNvPr>
-          <p:cNvSpPr>
-            <a:spLocks noGrp="1"/>
-          </p:cNvSpPr>
-          <p:nvPr>
-            <p:ph type="title"/>
-          </p:nvPr>
-        </p:nvSpPr>
-        <p:spPr/>
-        <p:txBody>
-          <a:bodyPr/>
-          <a:lstStyle/>
-          <a:p>
-            <a:r>
-              <a:rPr lang="ru-RU" dirty="0"/>
-              <a:t>Стек технологий</a:t>
-            </a:r>
-          </a:p>
-        </p:txBody>
-      </p:sp>
       <p:pic>
         <p:nvPicPr>
-          <p:cNvPr id="1026" name="Picture 2" descr="Graph Database Platform | Graph Database Management System | Neo4j">
-            <a:extLst>
-              <a:ext uri="{FF2B5EF4-FFF2-40B4-BE49-F238E27FC236}">
-                <a16:creationId xmlns:a16="http://schemas.microsoft.com/office/drawing/2014/main" id="{A6416EDA-3722-4E8E-916F-D5BD45DA1660}"/>
+          <p:cNvPr id="1038" name="Picture 14" descr="Кефир - калорийность и состав. Польза и вред кефира">
+            <a:extLst>
+              <a:ext uri="{FF2B5EF4-FFF2-40B4-BE49-F238E27FC236}">
+                <a16:creationId xmlns:a16="http://schemas.microsoft.com/office/drawing/2014/main" id="{14AB5534-E508-4509-9341-E36263CE5397}"/>
               </a:ext>
             </a:extLst>
           </p:cNvPr>
@@ -3469,6 +3441,81 @@
         </p:nvPicPr>
         <p:blipFill>
           <a:blip r:embed="rId2">
+            <a:extLst>
+              <a:ext uri="{28A0092B-C50C-407E-A947-70E740481C1C}">
+                <a14:useLocalDpi xmlns:a14="http://schemas.microsoft.com/office/drawing/2010/main" val="0"/>
+              </a:ext>
+            </a:extLst>
+          </a:blip>
+          <a:srcRect/>
+          <a:stretch>
+            <a:fillRect/>
+          </a:stretch>
+        </p:blipFill>
+        <p:spPr bwMode="auto">
+          <a:xfrm>
+            <a:off x="4709318" y="3892460"/>
+            <a:ext cx="2637037" cy="2637037"/>
+          </a:xfrm>
+          <a:prstGeom prst="rect">
+            <a:avLst/>
+          </a:prstGeom>
+          <a:noFill/>
+          <a:extLst>
+            <a:ext uri="{909E8E84-426E-40DD-AFC4-6F175D3DCCD1}">
+              <a14:hiddenFill xmlns:a14="http://schemas.microsoft.com/office/drawing/2010/main">
+                <a:solidFill>
+                  <a:srgbClr val="FFFFFF"/>
+                </a:solidFill>
+              </a14:hiddenFill>
+            </a:ext>
+          </a:extLst>
+        </p:spPr>
+      </p:pic>
+      <p:sp>
+        <p:nvSpPr>
+          <p:cNvPr id="2" name="Заголовок 1">
+            <a:extLst>
+              <a:ext uri="{FF2B5EF4-FFF2-40B4-BE49-F238E27FC236}">
+                <a16:creationId xmlns:a16="http://schemas.microsoft.com/office/drawing/2014/main" id="{BC550FB8-29EA-466A-83E2-435C4E25EBA4}"/>
+              </a:ext>
+            </a:extLst>
+          </p:cNvPr>
+          <p:cNvSpPr>
+            <a:spLocks noGrp="1"/>
+          </p:cNvSpPr>
+          <p:nvPr>
+            <p:ph type="title"/>
+          </p:nvPr>
+        </p:nvSpPr>
+        <p:spPr/>
+        <p:txBody>
+          <a:bodyPr/>
+          <a:lstStyle/>
+          <a:p>
+            <a:r>
+              <a:rPr lang="ru-RU" dirty="0"/>
+              <a:t>Стек технологий</a:t>
+            </a:r>
+          </a:p>
+        </p:txBody>
+      </p:sp>
+      <p:pic>
+        <p:nvPicPr>
+          <p:cNvPr id="1026" name="Picture 2" descr="Graph Database Platform | Graph Database Management System | Neo4j">
+            <a:extLst>
+              <a:ext uri="{FF2B5EF4-FFF2-40B4-BE49-F238E27FC236}">
+                <a16:creationId xmlns:a16="http://schemas.microsoft.com/office/drawing/2014/main" id="{A6416EDA-3722-4E8E-916F-D5BD45DA1660}"/>
+              </a:ext>
+            </a:extLst>
+          </p:cNvPr>
+          <p:cNvPicPr>
+            <a:picLocks noChangeAspect="1" noChangeArrowheads="1"/>
+          </p:cNvPicPr>
+          <p:nvPr/>
+        </p:nvPicPr>
+        <p:blipFill>
+          <a:blip r:embed="rId3">
             <a:extLst>
               <a:ext uri="{28A0092B-C50C-407E-A947-70E740481C1C}">
                 <a14:useLocalDpi xmlns:a14="http://schemas.microsoft.com/office/drawing/2010/main" val="0"/>
@@ -3515,7 +3562,7 @@
           <p:nvPr/>
         </p:nvPicPr>
         <p:blipFill>
-          <a:blip r:embed="rId3">
+          <a:blip r:embed="rId4">
             <a:extLst>
               <a:ext uri="{28A0092B-C50C-407E-A947-70E740481C1C}">
                 <a14:useLocalDpi xmlns:a14="http://schemas.microsoft.com/office/drawing/2010/main" val="0"/>
@@ -3562,7 +3609,7 @@
           <p:nvPr/>
         </p:nvPicPr>
         <p:blipFill>
-          <a:blip r:embed="rId4">
+          <a:blip r:embed="rId5">
             <a:extLst>
               <a:ext uri="{28A0092B-C50C-407E-A947-70E740481C1C}">
                 <a14:useLocalDpi xmlns:a14="http://schemas.microsoft.com/office/drawing/2010/main" val="0"/>
@@ -3609,7 +3656,7 @@
           <p:nvPr/>
         </p:nvPicPr>
         <p:blipFill>
-          <a:blip r:embed="rId5">
+          <a:blip r:embed="rId6">
             <a:extLst>
               <a:ext uri="{28A0092B-C50C-407E-A947-70E740481C1C}">
                 <a14:useLocalDpi xmlns:a14="http://schemas.microsoft.com/office/drawing/2010/main" val="0"/>
@@ -3656,7 +3703,7 @@
           <p:nvPr/>
         </p:nvPicPr>
         <p:blipFill>
-          <a:blip r:embed="rId6">
+          <a:blip r:embed="rId7">
             <a:extLst>
               <a:ext uri="{28A0092B-C50C-407E-A947-70E740481C1C}">
                 <a14:useLocalDpi xmlns:a14="http://schemas.microsoft.com/office/drawing/2010/main" val="0"/>
@@ -3703,7 +3750,7 @@
           <p:nvPr/>
         </p:nvPicPr>
         <p:blipFill>
-          <a:blip r:embed="rId7">
+          <a:blip r:embed="rId8">
             <a:extLst>
               <a:ext uri="{28A0092B-C50C-407E-A947-70E740481C1C}">
                 <a14:useLocalDpi xmlns:a14="http://schemas.microsoft.com/office/drawing/2010/main" val="0"/>
@@ -3735,6 +3782,47 @@
           </a:extLst>
         </p:spPr>
       </p:pic>
+      <p:sp>
+        <p:nvSpPr>
+          <p:cNvPr id="4" name="TextBox 3">
+            <a:extLst>
+              <a:ext uri="{FF2B5EF4-FFF2-40B4-BE49-F238E27FC236}">
+                <a16:creationId xmlns:a16="http://schemas.microsoft.com/office/drawing/2014/main" id="{AE4BEE6D-4EDF-4555-B604-817C452F3680}"/>
+              </a:ext>
+            </a:extLst>
+          </p:cNvPr>
+          <p:cNvSpPr txBox="1"/>
+          <p:nvPr/>
+        </p:nvSpPr>
+        <p:spPr>
+          <a:xfrm>
+            <a:off x="5232003" y="4059260"/>
+            <a:ext cx="1694436" cy="523220"/>
+          </a:xfrm>
+          <a:prstGeom prst="rect">
+            <a:avLst/>
+          </a:prstGeom>
+          <a:noFill/>
+        </p:spPr>
+        <p:txBody>
+          <a:bodyPr wrap="square" rtlCol="0">
+            <a:spAutoFit/>
+          </a:bodyPr>
+          <a:lstStyle/>
+          <a:p>
+            <a:pPr algn="ctr"/>
+            <a:r>
+              <a:rPr lang="en-US" sz="2800" dirty="0">
+                <a:latin typeface="ADAM.CG PRO" pitchFamily="2" charset="0"/>
+              </a:rPr>
+              <a:t>Cypher</a:t>
+            </a:r>
+            <a:endParaRPr lang="ru-RU" sz="2800" dirty="0">
+              <a:latin typeface="ADAM.CG PRO" pitchFamily="2" charset="0"/>
+            </a:endParaRPr>
+          </a:p>
+        </p:txBody>
+      </p:sp>
     </p:spTree>
     <p:extLst>
       <p:ext uri="{BB962C8B-B14F-4D97-AF65-F5344CB8AC3E}">
@@ -3864,7 +3952,7 @@
           <p:cNvPr id="2" name="Заголовок 1">
             <a:extLst>
               <a:ext uri="{FF2B5EF4-FFF2-40B4-BE49-F238E27FC236}">
-                <a16:creationId xmlns:a16="http://schemas.microsoft.com/office/drawing/2014/main" id="{88CF98AB-8480-4B07-B863-59E1D8AE2BA7}"/>
+                <a16:creationId xmlns:a16="http://schemas.microsoft.com/office/drawing/2014/main" id="{B0CEC54A-796D-4D18-93FA-D75A1972AA4C}"/>
               </a:ext>
             </a:extLst>
           </p:cNvPr>
@@ -3886,62 +3974,45 @@
             </a:r>
             <a:r>
               <a:rPr lang="ru-RU" dirty="0"/>
-              <a:t> БД</a:t>
+              <a:t> БД. Товары с высокой плотностью связей</a:t>
             </a:r>
           </a:p>
         </p:txBody>
       </p:sp>
       <p:pic>
         <p:nvPicPr>
-          <p:cNvPr id="2050" name="Picture 2" descr="Neo4j cypher-подсчет непосредственных потомков корневых узлов - CodeRoad">
-            <a:extLst>
-              <a:ext uri="{FF2B5EF4-FFF2-40B4-BE49-F238E27FC236}">
-                <a16:creationId xmlns:a16="http://schemas.microsoft.com/office/drawing/2014/main" id="{30FFB997-5FB7-4D59-ADCD-AFCDD0568D16}"/>
+          <p:cNvPr id="13" name="Рисунок 12">
+            <a:extLst>
+              <a:ext uri="{FF2B5EF4-FFF2-40B4-BE49-F238E27FC236}">
+                <a16:creationId xmlns:a16="http://schemas.microsoft.com/office/drawing/2014/main" id="{FACD592C-6722-475A-82DF-1F575605C73D}"/>
               </a:ext>
             </a:extLst>
           </p:cNvPr>
           <p:cNvPicPr>
-            <a:picLocks noChangeAspect="1" noChangeArrowheads="1"/>
+            <a:picLocks noChangeAspect="1"/>
           </p:cNvPicPr>
           <p:nvPr/>
         </p:nvPicPr>
         <p:blipFill>
-          <a:blip r:embed="rId2">
-            <a:extLst>
-              <a:ext uri="{28A0092B-C50C-407E-A947-70E740481C1C}">
-                <a14:useLocalDpi xmlns:a14="http://schemas.microsoft.com/office/drawing/2010/main" val="0"/>
-              </a:ext>
-            </a:extLst>
-          </a:blip>
-          <a:srcRect/>
+          <a:blip r:embed="rId2"/>
           <a:stretch>
             <a:fillRect/>
           </a:stretch>
         </p:blipFill>
-        <p:spPr bwMode="auto">
+        <p:spPr>
           <a:xfrm>
-            <a:off x="1502894" y="1426105"/>
-            <a:ext cx="9186211" cy="5066770"/>
+            <a:off x="1447151" y="1690688"/>
+            <a:ext cx="9297698" cy="4744112"/>
           </a:xfrm>
           <a:prstGeom prst="rect">
             <a:avLst/>
           </a:prstGeom>
-          <a:noFill/>
-          <a:extLst>
-            <a:ext uri="{909E8E84-426E-40DD-AFC4-6F175D3DCCD1}">
-              <a14:hiddenFill xmlns:a14="http://schemas.microsoft.com/office/drawing/2010/main">
-                <a:solidFill>
-                  <a:srgbClr val="FFFFFF"/>
-                </a:solidFill>
-              </a14:hiddenFill>
-            </a:ext>
-          </a:extLst>
         </p:spPr>
       </p:pic>
     </p:spTree>
     <p:extLst>
       <p:ext uri="{BB962C8B-B14F-4D97-AF65-F5344CB8AC3E}">
-        <p14:creationId xmlns:p14="http://schemas.microsoft.com/office/powerpoint/2010/main" val="2637205155"/>
+        <p14:creationId xmlns:p14="http://schemas.microsoft.com/office/powerpoint/2010/main" val="1262020984"/>
       </p:ext>
     </p:extLst>
   </p:cSld>
@@ -3973,7 +4044,7 @@
           <p:cNvPr id="2" name="Заголовок 1">
             <a:extLst>
               <a:ext uri="{FF2B5EF4-FFF2-40B4-BE49-F238E27FC236}">
-                <a16:creationId xmlns:a16="http://schemas.microsoft.com/office/drawing/2014/main" id="{B0CEC54A-796D-4D18-93FA-D75A1972AA4C}"/>
+                <a16:creationId xmlns:a16="http://schemas.microsoft.com/office/drawing/2014/main" id="{E1FB29B6-5665-4EFA-A250-D93A29231F38}"/>
               </a:ext>
             </a:extLst>
           </p:cNvPr>
@@ -3990,21 +4061,103 @@
           <a:lstStyle/>
           <a:p>
             <a:r>
-              <a:rPr lang="ru-RU" dirty="0" err="1"/>
-              <a:t>Графовая</a:t>
-            </a:r>
-            <a:r>
-              <a:rPr lang="ru-RU"/>
-              <a:t> БД</a:t>
+              <a:rPr lang="en-US" dirty="0" err="1"/>
+              <a:t>RoadMAP</a:t>
             </a:r>
             <a:endParaRPr lang="ru-RU" dirty="0"/>
+          </a:p>
+        </p:txBody>
+      </p:sp>
+      <p:sp>
+        <p:nvSpPr>
+          <p:cNvPr id="3" name="Объект 2">
+            <a:extLst>
+              <a:ext uri="{FF2B5EF4-FFF2-40B4-BE49-F238E27FC236}">
+                <a16:creationId xmlns:a16="http://schemas.microsoft.com/office/drawing/2014/main" id="{ABD03A8F-4430-46A5-932D-EAC5EC32458D}"/>
+              </a:ext>
+            </a:extLst>
+          </p:cNvPr>
+          <p:cNvSpPr>
+            <a:spLocks noGrp="1"/>
+          </p:cNvSpPr>
+          <p:nvPr>
+            <p:ph idx="1"/>
+          </p:nvPr>
+        </p:nvSpPr>
+        <p:spPr/>
+        <p:txBody>
+          <a:bodyPr>
+            <a:normAutofit/>
+          </a:bodyPr>
+          <a:lstStyle/>
+          <a:p>
+            <a:pPr marL="0" indent="0" algn="l">
+              <a:buNone/>
+            </a:pPr>
+            <a:r>
+              <a:rPr lang="ru-RU" dirty="0">
+                <a:latin typeface="-apple-system"/>
+              </a:rPr>
+              <a:t>Добавить дополнительную сущность «Заказчик» и связь «Купил». </a:t>
+            </a:r>
+            <a:r>
+              <a:rPr lang="ru-RU" b="0" i="0" dirty="0">
+                <a:effectLst/>
+                <a:latin typeface="-apple-system"/>
+              </a:rPr>
+              <a:t>На их основе формировать хронологическое дерево покупок.</a:t>
+            </a:r>
+            <a:endParaRPr lang="ru-RU" dirty="0">
+              <a:latin typeface="-apple-system"/>
+            </a:endParaRPr>
+          </a:p>
+          <a:p>
+            <a:pPr marL="0" indent="0" algn="l">
+              <a:buNone/>
+            </a:pPr>
+            <a:r>
+              <a:rPr lang="ru-RU" b="0" i="0" dirty="0">
+                <a:effectLst/>
+                <a:latin typeface="-apple-system"/>
+              </a:rPr>
+              <a:t>За счет деревьев можно </a:t>
+            </a:r>
+            <a:r>
+              <a:rPr lang="ru-RU" b="0" i="0">
+                <a:effectLst/>
+                <a:latin typeface="-apple-system"/>
+              </a:rPr>
+              <a:t>определить:</a:t>
+            </a:r>
+            <a:endParaRPr lang="ru-RU" b="0" i="0" dirty="0">
+              <a:effectLst/>
+              <a:latin typeface="-apple-system"/>
+            </a:endParaRPr>
+          </a:p>
+          <a:p>
+            <a:r>
+              <a:rPr lang="ru-RU" b="0" i="0" dirty="0">
+                <a:effectLst/>
+                <a:latin typeface="-apple-system"/>
+              </a:rPr>
+              <a:t>Предсказывать ожидаемые покупки и паттерны поведения</a:t>
+            </a:r>
+          </a:p>
+          <a:p>
+            <a:r>
+              <a:rPr lang="ru-RU" b="0" i="0" dirty="0">
+                <a:effectLst/>
+                <a:latin typeface="-apple-system"/>
+              </a:rPr>
+              <a:t>Определить его на схожесть с другими пользователями и  сформировать сегменты пользователей.</a:t>
+            </a:r>
           </a:p>
         </p:txBody>
       </p:sp>
     </p:spTree>
     <p:extLst>
       <p:ext uri="{BB962C8B-B14F-4D97-AF65-F5344CB8AC3E}">
-        <p14:creationId xmlns:p14="http://schemas.microsoft.com/office/powerpoint/2010/main" val="1262020984"/>
+        <p14:creationId xmlns:p14="http://schemas.microsoft.com/office/powerpoint/2010/main" val="4180430533"/>
       </p:ext>
     </p:extLst>
   </p:cSld>
